--- a/traj.pptx
+++ b/traj.pptx
@@ -3092,7 +3092,7 @@
       <p:grpSpPr/>
       <p:pic>
         <p:nvPicPr>
-          <p:cNvPr id="2" name="1480545356_3768376124_4275669502.mp4">
+          <p:cNvPr id="2" name="1008723774_3768376124_1492320475.mp4">
             <a:hlinkClick r:id="" action="ppaction://media"/>
           </p:cNvPr>
           <p:cNvPicPr>
@@ -3165,7 +3165,7 @@
       <p:grpSpPr/>
       <p:pic>
         <p:nvPicPr>
-          <p:cNvPr id="2" name="2141562087_3768376124_2848900642.mp4">
+          <p:cNvPr id="2" name="2141562087_3768376124_2652238585.mp4">
             <a:hlinkClick r:id="" action="ppaction://media"/>
           </p:cNvPr>
           <p:cNvPicPr>
@@ -3238,7 +3238,7 @@
       <p:grpSpPr/>
       <p:pic>
         <p:nvPicPr>
-          <p:cNvPr id="2" name="2141562087_3768376124_2848900642.mp4">
+          <p:cNvPr id="2" name="2141562087_3768376124_4002209248.mp4">
             <a:hlinkClick r:id="" action="ppaction://media"/>
           </p:cNvPr>
           <p:cNvPicPr>

--- a/traj.pptx
+++ b/traj.pptx
@@ -3092,7 +3092,7 @@
       <p:grpSpPr/>
       <p:pic>
         <p:nvPicPr>
-          <p:cNvPr id="2" name="1008723774_3768376124_1492320475.mp4">
+          <p:cNvPr id="2" name="487376f3de3b0f2a7b4eadc1316142a7bf55e354a1593eedbd3e0e026fecf142.mp4">
             <a:hlinkClick r:id="" action="ppaction://media"/>
           </p:cNvPr>
           <p:cNvPicPr>
@@ -3165,7 +3165,7 @@
       <p:grpSpPr/>
       <p:pic>
         <p:nvPicPr>
-          <p:cNvPr id="2" name="2141562087_3768376124_2652238585.mp4">
+          <p:cNvPr id="2" name="2141562087_4294058851_1264244991.mp4">
             <a:hlinkClick r:id="" action="ppaction://media"/>
           </p:cNvPr>
           <p:cNvPicPr>
@@ -3238,7 +3238,7 @@
       <p:grpSpPr/>
       <p:pic>
         <p:nvPicPr>
-          <p:cNvPr id="2" name="2141562087_3768376124_4002209248.mp4">
+          <p:cNvPr id="2" name="2141562087_4294058851_3021485656.mp4">
             <a:hlinkClick r:id="" action="ppaction://media"/>
           </p:cNvPr>
           <p:cNvPicPr>
